--- a/Predictive_Modeling/PPT/Seminar 05 - Machine Learning Models.pptx
+++ b/Predictive_Modeling/PPT/Seminar 05 - Machine Learning Models.pptx
@@ -230,7 +230,7 @@
           <a:p>
             <a:fld id="{12E2E0BF-1E19-48CE-A5B4-11AA1325EE0B}" type="datetimeFigureOut">
               <a:rPr lang="en-US" smtClean="0"/>
-              <a:t>8/6/2018</a:t>
+              <a:t>8/11/2018</a:t>
             </a:fld>
             <a:endParaRPr lang="en-US" dirty="0"/>
           </a:p>
@@ -395,7 +395,7 @@
           <a:p>
             <a:fld id="{B3E6BC81-1184-4954-A4F1-6E56C89D84BE}" type="datetimeFigureOut">
               <a:rPr lang="en-US" smtClean="0"/>
-              <a:t>8/6/2018</a:t>
+              <a:t>8/11/2018</a:t>
             </a:fld>
             <a:endParaRPr lang="en-US" dirty="0"/>
           </a:p>
@@ -805,7 +805,7 @@
           <a:p>
             <a:fld id="{A24D462D-0ABF-4F66-AA29-FCADD808DF8B}" type="datetime1">
               <a:rPr lang="en-US" smtClean="0"/>
-              <a:t>8/6/2018</a:t>
+              <a:t>8/11/2018</a:t>
             </a:fld>
             <a:endParaRPr lang="en-US" dirty="0"/>
           </a:p>
@@ -1075,7 +1075,7 @@
           <a:p>
             <a:fld id="{E07E8265-18F4-4680-A16E-90ED1CF19BF4}" type="datetime1">
               <a:rPr lang="en-US" smtClean="0"/>
-              <a:t>8/6/2018</a:t>
+              <a:t>8/11/2018</a:t>
             </a:fld>
             <a:endParaRPr lang="en-US" dirty="0"/>
           </a:p>
@@ -1252,7 +1252,7 @@
           <a:p>
             <a:fld id="{50A3F95B-AA19-4AF1-8E3F-0C1F80E644D7}" type="datetime1">
               <a:rPr lang="en-US" smtClean="0"/>
-              <a:t>8/6/2018</a:t>
+              <a:t>8/11/2018</a:t>
             </a:fld>
             <a:endParaRPr lang="en-US" dirty="0"/>
           </a:p>
@@ -1434,7 +1434,7 @@
           <a:p>
             <a:fld id="{CCDBCEF4-92B1-4F4B-B523-BAFBFD103FD6}" type="datetime1">
               <a:rPr lang="en-US" smtClean="0"/>
-              <a:t>8/6/2018</a:t>
+              <a:t>8/11/2018</a:t>
             </a:fld>
             <a:endParaRPr lang="en-US" dirty="0"/>
           </a:p>
@@ -1660,7 +1660,7 @@
             <a:fld id="{13570084-B57A-493D-8A30-572F2D9F55F8}" type="datetime1">
               <a:rPr lang="en-US" smtClean="0"/>
               <a:pPr/>
-              <a:t>8/6/2018</a:t>
+              <a:t>8/11/2018</a:t>
             </a:fld>
             <a:endParaRPr lang="en-US" dirty="0"/>
           </a:p>
@@ -1866,7 +1866,7 @@
             <a:fld id="{13570084-B57A-493D-8A30-572F2D9F55F8}" type="datetime1">
               <a:rPr lang="en-US" smtClean="0"/>
               <a:pPr/>
-              <a:t>8/6/2018</a:t>
+              <a:t>8/11/2018</a:t>
             </a:fld>
             <a:endParaRPr lang="en-US" dirty="0"/>
           </a:p>
@@ -2145,7 +2145,7 @@
           <a:p>
             <a:fld id="{8F7D0969-017A-4CFD-B470-B6959400D96E}" type="datetime1">
               <a:rPr lang="en-US" smtClean="0"/>
-              <a:t>8/6/2018</a:t>
+              <a:t>8/11/2018</a:t>
             </a:fld>
             <a:endParaRPr lang="en-US" dirty="0"/>
           </a:p>
@@ -2430,7 +2430,7 @@
           <a:p>
             <a:fld id="{E7244459-F2A5-4FF9-8125-3DD79827DEF5}" type="datetime1">
               <a:rPr lang="en-US" smtClean="0"/>
-              <a:t>8/6/2018</a:t>
+              <a:t>8/11/2018</a:t>
             </a:fld>
             <a:endParaRPr lang="en-US" dirty="0"/>
           </a:p>
@@ -2798,7 +2798,7 @@
           <a:p>
             <a:fld id="{B3A53202-F90A-473F-9577-0694CB3DE811}" type="datetime1">
               <a:rPr lang="en-US" smtClean="0"/>
-              <a:t>8/6/2018</a:t>
+              <a:t>8/11/2018</a:t>
             </a:fld>
             <a:endParaRPr lang="en-US" dirty="0"/>
           </a:p>
@@ -2969,7 +2969,7 @@
             <a:fld id="{64FA1387-E9BD-4269-B052-15A23CD1D16B}" type="datetime1">
               <a:rPr lang="en-US" smtClean="0"/>
               <a:pPr/>
-              <a:t>8/6/2018</a:t>
+              <a:t>8/11/2018</a:t>
             </a:fld>
             <a:endParaRPr lang="en-US" dirty="0"/>
           </a:p>
@@ -3093,7 +3093,7 @@
           <a:p>
             <a:fld id="{A197E209-8033-4044-BA05-35D0B8A61D52}" type="datetime1">
               <a:rPr lang="en-US" smtClean="0"/>
-              <a:t>8/6/2018</a:t>
+              <a:t>8/11/2018</a:t>
             </a:fld>
             <a:endParaRPr lang="en-US" dirty="0"/>
           </a:p>
@@ -3372,7 +3372,7 @@
           <a:p>
             <a:fld id="{488CFC0E-11F7-458D-9C54-1B7C7C814EDD}" type="datetime1">
               <a:rPr lang="en-US" smtClean="0"/>
-              <a:t>8/6/2018</a:t>
+              <a:t>8/11/2018</a:t>
             </a:fld>
             <a:endParaRPr lang="en-US" dirty="0"/>
           </a:p>
@@ -3719,7 +3719,7 @@
           <a:p>
             <a:fld id="{DA3380A9-99D8-412F-8F98-2C2792A83619}" type="datetime1">
               <a:rPr lang="en-US" smtClean="0"/>
-              <a:t>8/6/2018</a:t>
+              <a:t>8/11/2018</a:t>
             </a:fld>
             <a:endParaRPr lang="en-US" dirty="0"/>
           </a:p>
@@ -4528,7 +4528,7 @@
             <a:fld id="{13570084-B57A-493D-8A30-572F2D9F55F8}" type="datetime1">
               <a:rPr lang="en-US" smtClean="0"/>
               <a:pPr/>
-              <a:t>8/6/2018</a:t>
+              <a:t>8/11/2018</a:t>
             </a:fld>
             <a:endParaRPr lang="en-US" dirty="0"/>
           </a:p>
@@ -4833,7 +4833,7 @@
           <a:p>
             <a:fld id="{E7244459-F2A5-4FF9-8125-3DD79827DEF5}" type="datetime1">
               <a:rPr lang="en-US" smtClean="0"/>
-              <a:t>8/6/2018</a:t>
+              <a:t>8/11/2018</a:t>
             </a:fld>
             <a:endParaRPr lang="en-US" dirty="0"/>
           </a:p>
@@ -5228,7 +5228,7 @@
           <a:p>
             <a:fld id="{E7244459-F2A5-4FF9-8125-3DD79827DEF5}" type="datetime1">
               <a:rPr lang="en-US" smtClean="0"/>
-              <a:t>8/6/2018</a:t>
+              <a:t>8/11/2018</a:t>
             </a:fld>
             <a:endParaRPr lang="en-US" dirty="0"/>
           </a:p>
@@ -5306,7 +5306,7 @@
         </p:nvSpPr>
         <p:spPr>
           <a:xfrm>
-            <a:off x="406400" y="4611309"/>
+            <a:off x="406400" y="5294899"/>
             <a:ext cx="10447507" cy="830997"/>
           </a:xfrm>
           <a:prstGeom prst="rect">
@@ -5344,7 +5344,7 @@
         </p:nvSpPr>
         <p:spPr>
           <a:xfrm>
-            <a:off x="6172200" y="5000017"/>
+            <a:off x="6172200" y="5683607"/>
             <a:ext cx="1115438" cy="428017"/>
           </a:xfrm>
           <a:prstGeom prst="roundRect">
@@ -5396,7 +5396,7 @@
         </p:nvSpPr>
         <p:spPr>
           <a:xfrm>
-            <a:off x="7287638" y="2156224"/>
+            <a:off x="7101207" y="2352435"/>
             <a:ext cx="1243519" cy="392423"/>
           </a:xfrm>
           <a:prstGeom prst="roundRect">
@@ -5451,8 +5451,8 @@
         </p:nvCxnSpPr>
         <p:spPr>
           <a:xfrm flipV="1">
-            <a:off x="6729919" y="2548647"/>
-            <a:ext cx="1179479" cy="2451370"/>
+            <a:off x="6729919" y="2744858"/>
+            <a:ext cx="993048" cy="2938749"/>
           </a:xfrm>
           <a:prstGeom prst="straightConnector1">
             <a:avLst/>
@@ -5851,7 +5851,7 @@
           <a:p>
             <a:fld id="{E7244459-F2A5-4FF9-8125-3DD79827DEF5}" type="datetime1">
               <a:rPr lang="en-US" smtClean="0"/>
-              <a:t>8/6/2018</a:t>
+              <a:t>8/11/2018</a:t>
             </a:fld>
             <a:endParaRPr lang="en-US" dirty="0"/>
           </a:p>
@@ -6224,7 +6224,7 @@
           <a:p>
             <a:fld id="{E7244459-F2A5-4FF9-8125-3DD79827DEF5}" type="datetime1">
               <a:rPr lang="en-US" smtClean="0"/>
-              <a:t>8/6/2018</a:t>
+              <a:t>8/11/2018</a:t>
             </a:fld>
             <a:endParaRPr lang="en-US" dirty="0"/>
           </a:p>
@@ -6582,7 +6582,7 @@
           <a:p>
             <a:fld id="{E7244459-F2A5-4FF9-8125-3DD79827DEF5}" type="datetime1">
               <a:rPr lang="en-US" smtClean="0"/>
-              <a:t>8/6/2018</a:t>
+              <a:t>8/11/2018</a:t>
             </a:fld>
             <a:endParaRPr lang="en-US" dirty="0"/>
           </a:p>
@@ -6967,7 +6967,7 @@
           <a:p>
             <a:fld id="{E7244459-F2A5-4FF9-8125-3DD79827DEF5}" type="datetime1">
               <a:rPr lang="en-US" smtClean="0"/>
-              <a:t>8/6/2018</a:t>
+              <a:t>8/11/2018</a:t>
             </a:fld>
             <a:endParaRPr lang="en-US" dirty="0"/>
           </a:p>
@@ -7045,7 +7045,7 @@
         </p:nvSpPr>
         <p:spPr>
           <a:xfrm>
-            <a:off x="7480570" y="1825624"/>
+            <a:off x="7276383" y="2148225"/>
             <a:ext cx="1429966" cy="2561549"/>
           </a:xfrm>
           <a:prstGeom prst="roundRect">
@@ -7093,14 +7093,15 @@
             </a:extLst>
           </p:cNvPr>
           <p:cNvCxnSpPr>
+            <a:cxnSpLocks/>
             <a:endCxn id="10" idx="1"/>
           </p:cNvCxnSpPr>
           <p:nvPr/>
         </p:nvCxnSpPr>
         <p:spPr>
           <a:xfrm>
-            <a:off x="5544766" y="2821021"/>
-            <a:ext cx="1935804" cy="285378"/>
+            <a:off x="5444066" y="2778711"/>
+            <a:ext cx="1832317" cy="650289"/>
           </a:xfrm>
           <a:prstGeom prst="straightConnector1">
             <a:avLst/>
@@ -7586,7 +7587,7 @@
           <a:p>
             <a:fld id="{E7244459-F2A5-4FF9-8125-3DD79827DEF5}" type="datetime1">
               <a:rPr lang="en-US" smtClean="0"/>
-              <a:t>8/6/2018</a:t>
+              <a:t>8/11/2018</a:t>
             </a:fld>
             <a:endParaRPr lang="en-US" dirty="0"/>
           </a:p>
@@ -8159,7 +8160,7 @@
           <a:p>
             <a:fld id="{E7244459-F2A5-4FF9-8125-3DD79827DEF5}" type="datetime1">
               <a:rPr lang="en-US" smtClean="0"/>
-              <a:t>8/6/2018</a:t>
+              <a:t>8/11/2018</a:t>
             </a:fld>
             <a:endParaRPr lang="en-US" dirty="0"/>
           </a:p>
@@ -8435,7 +8436,7 @@
           <a:p>
             <a:fld id="{E7244459-F2A5-4FF9-8125-3DD79827DEF5}" type="datetime1">
               <a:rPr lang="en-US" smtClean="0"/>
-              <a:t>8/6/2018</a:t>
+              <a:t>8/11/2018</a:t>
             </a:fld>
             <a:endParaRPr lang="en-US" dirty="0"/>
           </a:p>
@@ -8615,7 +8616,7 @@
             <a:fld id="{13570084-B57A-493D-8A30-572F2D9F55F8}" type="datetime1">
               <a:rPr lang="en-US" smtClean="0"/>
               <a:pPr/>
-              <a:t>8/6/2018</a:t>
+              <a:t>8/11/2018</a:t>
             </a:fld>
             <a:endParaRPr lang="en-US" dirty="0"/>
           </a:p>
@@ -9192,7 +9193,7 @@
             <a:fld id="{13570084-B57A-493D-8A30-572F2D9F55F8}" type="datetime1">
               <a:rPr lang="en-US" smtClean="0"/>
               <a:pPr/>
-              <a:t>8/6/2018</a:t>
+              <a:t>8/11/2018</a:t>
             </a:fld>
             <a:endParaRPr lang="en-US" dirty="0"/>
           </a:p>
@@ -9630,7 +9631,7 @@
           <a:p>
             <a:fld id="{E7244459-F2A5-4FF9-8125-3DD79827DEF5}" type="datetime1">
               <a:rPr lang="en-US" smtClean="0"/>
-              <a:t>8/6/2018</a:t>
+              <a:t>8/11/2018</a:t>
             </a:fld>
             <a:endParaRPr lang="en-US" dirty="0"/>
           </a:p>
@@ -9745,6 +9746,10 @@
           <a:bodyPr/>
           <a:lstStyle/>
           <a:p>
+            <a:r>
+              <a:rPr lang="en-US" b="0" dirty="0"/>
+              <a:t>Partially-supervised Bayesian model</a:t>
+            </a:r>
             <a:endParaRPr lang="en-US" dirty="0"/>
           </a:p>
         </p:txBody>
@@ -9836,7 +9841,7 @@
           <a:p>
             <a:fld id="{E7244459-F2A5-4FF9-8125-3DD79827DEF5}" type="datetime1">
               <a:rPr lang="en-US" smtClean="0"/>
-              <a:t>8/6/2018</a:t>
+              <a:t>8/11/2018</a:t>
             </a:fld>
             <a:endParaRPr lang="en-US" dirty="0"/>
           </a:p>
@@ -10019,7 +10024,7 @@
           <a:p>
             <a:fld id="{E7244459-F2A5-4FF9-8125-3DD79827DEF5}" type="datetime1">
               <a:rPr lang="en-US" smtClean="0"/>
-              <a:t>8/6/2018</a:t>
+              <a:t>8/11/2018</a:t>
             </a:fld>
             <a:endParaRPr lang="en-US" dirty="0"/>
           </a:p>
@@ -10456,7 +10461,7 @@
         </p:blipFill>
         <p:spPr>
           <a:xfrm>
-            <a:off x="6176766" y="1825625"/>
+            <a:off x="6388628" y="2025452"/>
             <a:ext cx="5172467" cy="4351338"/>
           </a:xfrm>
           <a:prstGeom prst="rect">
@@ -10487,7 +10492,7 @@
           <a:p>
             <a:fld id="{E7244459-F2A5-4FF9-8125-3DD79827DEF5}" type="datetime1">
               <a:rPr lang="en-US" smtClean="0"/>
-              <a:t>8/6/2018</a:t>
+              <a:t>8/11/2018</a:t>
             </a:fld>
             <a:endParaRPr lang="en-US" dirty="0"/>
           </a:p>
@@ -10565,8 +10570,8 @@
         </p:nvSpPr>
         <p:spPr>
           <a:xfrm>
-            <a:off x="6535918" y="1084269"/>
-            <a:ext cx="5249682" cy="830997"/>
+            <a:off x="6372520" y="1444675"/>
+            <a:ext cx="5517965" cy="461665"/>
           </a:xfrm>
           <a:prstGeom prst="rect">
             <a:avLst/>
@@ -10579,7 +10584,7 @@
           <a:lstStyle/>
           <a:p>
             <a:r>
-              <a:rPr lang="en-US" sz="1600" dirty="0">
+              <a:rPr lang="en-US" sz="1200" dirty="0">
                 <a:solidFill>
                   <a:schemeClr val="bg1"/>
                 </a:solidFill>
@@ -10858,7 +10863,7 @@
         </p:blipFill>
         <p:spPr>
           <a:xfrm>
-            <a:off x="6176766" y="1825625"/>
+            <a:off x="6613133" y="1825625"/>
             <a:ext cx="5172467" cy="4351338"/>
           </a:xfrm>
           <a:prstGeom prst="rect">
@@ -10889,7 +10894,7 @@
           <a:p>
             <a:fld id="{E7244459-F2A5-4FF9-8125-3DD79827DEF5}" type="datetime1">
               <a:rPr lang="en-US" smtClean="0"/>
-              <a:t>8/6/2018</a:t>
+              <a:t>8/11/2018</a:t>
             </a:fld>
             <a:endParaRPr lang="en-US" dirty="0"/>
           </a:p>
@@ -11254,7 +11259,7 @@
           <a:p>
             <a:fld id="{E7244459-F2A5-4FF9-8125-3DD79827DEF5}" type="datetime1">
               <a:rPr lang="en-US" smtClean="0"/>
-              <a:t>8/6/2018</a:t>
+              <a:t>8/11/2018</a:t>
             </a:fld>
             <a:endParaRPr lang="en-US" dirty="0"/>
           </a:p>
@@ -11623,8 +11628,8 @@
         </p:nvSpPr>
         <p:spPr>
           <a:xfrm>
-            <a:off x="6172199" y="1325563"/>
-            <a:ext cx="5724427" cy="4851399"/>
+            <a:off x="7244179" y="1325563"/>
+            <a:ext cx="4652447" cy="4851399"/>
           </a:xfrm>
         </p:spPr>
         <p:txBody>
@@ -11637,7 +11642,7 @@
               <a:buNone/>
             </a:pPr>
             <a:r>
-              <a:rPr lang="pt-BR" dirty="0"/>
+              <a:rPr lang="pt-BR" sz="1800" dirty="0"/>
               <a:t>  index   prob crimeID  CG</a:t>
             </a:r>
           </a:p>
@@ -11646,7 +11651,7 @@
               <a:buNone/>
             </a:pPr>
             <a:r>
-              <a:rPr lang="pt-BR" dirty="0"/>
+              <a:rPr lang="pt-BR" sz="1800" dirty="0"/>
               <a:t>1    81 0.3335    C:15  46</a:t>
             </a:r>
           </a:p>
@@ -11655,7 +11660,7 @@
               <a:buNone/>
             </a:pPr>
             <a:r>
-              <a:rPr lang="pt-BR" dirty="0"/>
+              <a:rPr lang="pt-BR" sz="1800" dirty="0"/>
               <a:t>2   197 0.2920    C:26 146</a:t>
             </a:r>
           </a:p>
@@ -11664,7 +11669,7 @@
               <a:buNone/>
             </a:pPr>
             <a:r>
-              <a:rPr lang="pt-BR" dirty="0"/>
+              <a:rPr lang="pt-BR" sz="1800" dirty="0"/>
               <a:t>3   459 0.2415   C:459  NA</a:t>
             </a:r>
           </a:p>
@@ -11673,7 +11678,7 @@
               <a:buNone/>
             </a:pPr>
             <a:r>
-              <a:rPr lang="pt-BR" dirty="0"/>
+              <a:rPr lang="pt-BR" sz="1800" dirty="0"/>
               <a:t>4   446 0.0985   C:446  NA</a:t>
             </a:r>
           </a:p>
@@ -11682,7 +11687,7 @@
               <a:buNone/>
             </a:pPr>
             <a:r>
-              <a:rPr lang="pt-BR" dirty="0"/>
+              <a:rPr lang="pt-BR" sz="1800" dirty="0"/>
               <a:t>5     2 0.0510    C:10   2</a:t>
             </a:r>
           </a:p>
@@ -11691,10 +11696,10 @@
               <a:buNone/>
             </a:pPr>
             <a:r>
-              <a:rPr lang="pt-BR" dirty="0"/>
+              <a:rPr lang="pt-BR" sz="1800" dirty="0"/>
               <a:t>6   482 0.0400   C:482  NA</a:t>
             </a:r>
-            <a:endParaRPr lang="en-US" dirty="0"/>
+            <a:endParaRPr lang="en-US" sz="1800" dirty="0"/>
           </a:p>
         </p:txBody>
       </p:sp>
@@ -11721,7 +11726,7 @@
           <a:p>
             <a:fld id="{E7244459-F2A5-4FF9-8125-3DD79827DEF5}" type="datetime1">
               <a:rPr lang="en-US" smtClean="0"/>
-              <a:t>8/6/2018</a:t>
+              <a:t>8/11/2018</a:t>
             </a:fld>
             <a:endParaRPr lang="en-US" dirty="0"/>
           </a:p>
@@ -12367,7 +12372,7 @@
             <a:fld id="{13570084-B57A-493D-8A30-572F2D9F55F8}" type="datetime1">
               <a:rPr lang="en-US" smtClean="0"/>
               <a:pPr/>
-              <a:t>8/6/2018</a:t>
+              <a:t>8/11/2018</a:t>
             </a:fld>
             <a:endParaRPr lang="en-US" dirty="0"/>
           </a:p>
@@ -12581,7 +12586,7 @@
             <a:fld id="{13570084-B57A-493D-8A30-572F2D9F55F8}" type="datetime1">
               <a:rPr lang="en-US" smtClean="0"/>
               <a:pPr/>
-              <a:t>8/6/2018</a:t>
+              <a:t>8/11/2018</a:t>
             </a:fld>
             <a:endParaRPr lang="en-US" dirty="0"/>
           </a:p>
@@ -12855,7 +12860,7 @@
             <a:fld id="{13570084-B57A-493D-8A30-572F2D9F55F8}" type="datetime1">
               <a:rPr lang="en-US" smtClean="0"/>
               <a:pPr/>
-              <a:t>8/6/2018</a:t>
+              <a:t>8/11/2018</a:t>
             </a:fld>
             <a:endParaRPr lang="en-US" dirty="0"/>
           </a:p>
@@ -13339,7 +13344,7 @@
             <a:fld id="{13570084-B57A-493D-8A30-572F2D9F55F8}" type="datetime1">
               <a:rPr lang="en-US" smtClean="0"/>
               <a:pPr/>
-              <a:t>8/6/2018</a:t>
+              <a:t>8/11/2018</a:t>
             </a:fld>
             <a:endParaRPr lang="en-US" dirty="0"/>
           </a:p>
@@ -13522,7 +13527,7 @@
           <a:p>
             <a:fld id="{E7244459-F2A5-4FF9-8125-3DD79827DEF5}" type="datetime1">
               <a:rPr lang="en-US" smtClean="0"/>
-              <a:t>8/6/2018</a:t>
+              <a:t>8/11/2018</a:t>
             </a:fld>
             <a:endParaRPr lang="en-US" dirty="0"/>
           </a:p>
@@ -13831,7 +13836,7 @@
           <a:p>
             <a:fld id="{E7244459-F2A5-4FF9-8125-3DD79827DEF5}" type="datetime1">
               <a:rPr lang="en-US" smtClean="0"/>
-              <a:t>8/6/2018</a:t>
+              <a:t>8/11/2018</a:t>
             </a:fld>
             <a:endParaRPr lang="en-US" dirty="0"/>
           </a:p>
@@ -14219,7 +14224,7 @@
           <a:p>
             <a:fld id="{E7244459-F2A5-4FF9-8125-3DD79827DEF5}" type="datetime1">
               <a:rPr lang="en-US" smtClean="0"/>
-              <a:t>8/6/2018</a:t>
+              <a:t>8/11/2018</a:t>
             </a:fld>
             <a:endParaRPr lang="en-US" dirty="0"/>
           </a:p>
@@ -14537,7 +14542,7 @@
           <a:p>
             <a:fld id="{E7244459-F2A5-4FF9-8125-3DD79827DEF5}" type="datetime1">
               <a:rPr lang="en-US" smtClean="0"/>
-              <a:t>8/6/2018</a:t>
+              <a:t>8/11/2018</a:t>
             </a:fld>
             <a:endParaRPr lang="en-US" dirty="0"/>
           </a:p>
